--- a/mtcnn11mouth/mtcnn 11月初讲解.pptx
+++ b/mtcnn11mouth/mtcnn 11月初讲解.pptx
@@ -1,26 +1,26 @@
 
 <file path=ppt/presentation.xml><?xml version="1.0" encoding="utf-8"?>
-<p:presentation xmlns:a="http://schemas.openxmlformats.org/drawingml/2006/main" xmlns:r="http://schemas.openxmlformats.org/officeDocument/2006/relationships" xmlns:p="http://schemas.openxmlformats.org/presentationml/2006/main" saveSubsetFonts="1">
+<p:presentation xmlns:a="http://schemas.openxmlformats.org/drawingml/2006/main" xmlns:r="http://schemas.openxmlformats.org/officeDocument/2006/relationships" xmlns:p="http://schemas.openxmlformats.org/presentationml/2006/main">
   <p:sldMasterIdLst>
-    <p:sldMasterId id="2147483660" r:id="rId1"/>
+    <p:sldMasterId id="2147483648" r:id="rId1"/>
   </p:sldMasterIdLst>
   <p:sldIdLst>
-    <p:sldId id="256" r:id="rId2"/>
-    <p:sldId id="257" r:id="rId3"/>
-    <p:sldId id="263" r:id="rId4"/>
-    <p:sldId id="264" r:id="rId5"/>
-    <p:sldId id="265" r:id="rId6"/>
-    <p:sldId id="266" r:id="rId7"/>
-    <p:sldId id="267" r:id="rId8"/>
-    <p:sldId id="269" r:id="rId9"/>
-    <p:sldId id="270" r:id="rId10"/>
-    <p:sldId id="271" r:id="rId11"/>
-    <p:sldId id="272" r:id="rId12"/>
-    <p:sldId id="259" r:id="rId13"/>
-    <p:sldId id="273" r:id="rId14"/>
-    <p:sldId id="261" r:id="rId15"/>
-    <p:sldId id="275" r:id="rId16"/>
-    <p:sldId id="274" r:id="rId17"/>
+    <p:sldId id="256" r:id="rId3"/>
+    <p:sldId id="257" r:id="rId4"/>
+    <p:sldId id="263" r:id="rId5"/>
+    <p:sldId id="264" r:id="rId6"/>
+    <p:sldId id="265" r:id="rId7"/>
+    <p:sldId id="266" r:id="rId8"/>
+    <p:sldId id="267" r:id="rId9"/>
+    <p:sldId id="269" r:id="rId10"/>
+    <p:sldId id="270" r:id="rId11"/>
+    <p:sldId id="271" r:id="rId12"/>
+    <p:sldId id="272" r:id="rId13"/>
+    <p:sldId id="259" r:id="rId14"/>
+    <p:sldId id="273" r:id="rId15"/>
+    <p:sldId id="261" r:id="rId16"/>
+    <p:sldId id="275" r:id="rId17"/>
+    <p:sldId id="274" r:id="rId18"/>
   </p:sldIdLst>
   <p:sldSz cx="9144000" cy="6858000" type="screen4x3"/>
   <p:notesSz cx="6858000" cy="9144000"/>
@@ -367,7 +367,6 @@
           <a:p>
             <a:fld id="{530820CF-B880-4189-942D-D702A7CBA730}" type="datetimeFigureOut">
               <a:rPr lang="zh-CN" altLang="en-US" smtClean="0"/>
-              <a:t>2018/10/31</a:t>
             </a:fld>
             <a:endParaRPr lang="zh-CN" altLang="en-US"/>
           </a:p>
@@ -409,7 +408,6 @@
           <a:p>
             <a:fld id="{0C913308-F349-4B6D-A68A-DD1791B4A57B}" type="slidenum">
               <a:rPr lang="zh-CN" altLang="en-US" smtClean="0"/>
-              <a:t>‹#›</a:t>
             </a:fld>
             <a:endParaRPr lang="zh-CN" altLang="en-US"/>
           </a:p>
@@ -483,6 +481,7 @@
               <a:rPr lang="zh-CN" altLang="en-US" smtClean="0"/>
               <a:t>单击此处编辑母版文本样式</a:t>
             </a:r>
+            <a:endParaRPr lang="zh-CN" altLang="en-US" smtClean="0"/>
           </a:p>
           <a:p>
             <a:pPr lvl="1" eaLnBrk="1" latinLnBrk="0" hangingPunct="1"/>
@@ -490,6 +489,7 @@
               <a:rPr lang="zh-CN" altLang="en-US" smtClean="0"/>
               <a:t>第二级</a:t>
             </a:r>
+            <a:endParaRPr lang="zh-CN" altLang="en-US" smtClean="0"/>
           </a:p>
           <a:p>
             <a:pPr lvl="2" eaLnBrk="1" latinLnBrk="0" hangingPunct="1"/>
@@ -497,6 +497,7 @@
               <a:rPr lang="zh-CN" altLang="en-US" smtClean="0"/>
               <a:t>第三级</a:t>
             </a:r>
+            <a:endParaRPr lang="zh-CN" altLang="en-US" smtClean="0"/>
           </a:p>
           <a:p>
             <a:pPr lvl="3" eaLnBrk="1" latinLnBrk="0" hangingPunct="1"/>
@@ -504,6 +505,7 @@
               <a:rPr lang="zh-CN" altLang="en-US" smtClean="0"/>
               <a:t>第四级</a:t>
             </a:r>
+            <a:endParaRPr lang="zh-CN" altLang="en-US" smtClean="0"/>
           </a:p>
           <a:p>
             <a:pPr lvl="4" eaLnBrk="1" latinLnBrk="0" hangingPunct="1"/>
@@ -532,7 +534,6 @@
           <a:p>
             <a:fld id="{530820CF-B880-4189-942D-D702A7CBA730}" type="datetimeFigureOut">
               <a:rPr lang="zh-CN" altLang="en-US" smtClean="0"/>
-              <a:t>2018/10/31</a:t>
             </a:fld>
             <a:endParaRPr lang="zh-CN" altLang="en-US"/>
           </a:p>
@@ -574,7 +575,6 @@
           <a:p>
             <a:fld id="{0C913308-F349-4B6D-A68A-DD1791B4A57B}" type="slidenum">
               <a:rPr lang="zh-CN" altLang="en-US" smtClean="0"/>
-              <a:t>‹#›</a:t>
             </a:fld>
             <a:endParaRPr lang="zh-CN" altLang="en-US"/>
           </a:p>
@@ -722,6 +722,7 @@
               <a:rPr lang="zh-CN" altLang="en-US" smtClean="0"/>
               <a:t>单击此处编辑母版文本样式</a:t>
             </a:r>
+            <a:endParaRPr lang="zh-CN" altLang="en-US" smtClean="0"/>
           </a:p>
           <a:p>
             <a:pPr lvl="1" eaLnBrk="1" latinLnBrk="0" hangingPunct="1"/>
@@ -729,6 +730,7 @@
               <a:rPr lang="zh-CN" altLang="en-US" smtClean="0"/>
               <a:t>第二级</a:t>
             </a:r>
+            <a:endParaRPr lang="zh-CN" altLang="en-US" smtClean="0"/>
           </a:p>
           <a:p>
             <a:pPr lvl="2" eaLnBrk="1" latinLnBrk="0" hangingPunct="1"/>
@@ -736,6 +738,7 @@
               <a:rPr lang="zh-CN" altLang="en-US" smtClean="0"/>
               <a:t>第三级</a:t>
             </a:r>
+            <a:endParaRPr lang="zh-CN" altLang="en-US" smtClean="0"/>
           </a:p>
           <a:p>
             <a:pPr lvl="3" eaLnBrk="1" latinLnBrk="0" hangingPunct="1"/>
@@ -743,6 +746,7 @@
               <a:rPr lang="zh-CN" altLang="en-US" smtClean="0"/>
               <a:t>第四级</a:t>
             </a:r>
+            <a:endParaRPr lang="zh-CN" altLang="en-US" smtClean="0"/>
           </a:p>
           <a:p>
             <a:pPr lvl="4" eaLnBrk="1" latinLnBrk="0" hangingPunct="1"/>
@@ -771,7 +775,6 @@
           <a:p>
             <a:fld id="{530820CF-B880-4189-942D-D702A7CBA730}" type="datetimeFigureOut">
               <a:rPr lang="zh-CN" altLang="en-US" smtClean="0"/>
-              <a:t>2018/10/31</a:t>
             </a:fld>
             <a:endParaRPr lang="zh-CN" altLang="en-US"/>
           </a:p>
@@ -813,7 +816,6 @@
           <a:p>
             <a:fld id="{0C913308-F349-4B6D-A68A-DD1791B4A57B}" type="slidenum">
               <a:rPr lang="zh-CN" altLang="en-US" smtClean="0"/>
-              <a:t>‹#›</a:t>
             </a:fld>
             <a:endParaRPr lang="zh-CN" altLang="en-US"/>
           </a:p>
@@ -951,6 +953,7 @@
               <a:rPr lang="zh-CN" altLang="en-US" smtClean="0"/>
               <a:t>单击此处编辑母版文本样式</a:t>
             </a:r>
+            <a:endParaRPr lang="zh-CN" altLang="en-US" smtClean="0"/>
           </a:p>
           <a:p>
             <a:pPr lvl="1" eaLnBrk="1" latinLnBrk="0" hangingPunct="1"/>
@@ -958,6 +961,7 @@
               <a:rPr lang="zh-CN" altLang="en-US" smtClean="0"/>
               <a:t>第二级</a:t>
             </a:r>
+            <a:endParaRPr lang="zh-CN" altLang="en-US" smtClean="0"/>
           </a:p>
           <a:p>
             <a:pPr lvl="2" eaLnBrk="1" latinLnBrk="0" hangingPunct="1"/>
@@ -965,6 +969,7 @@
               <a:rPr lang="zh-CN" altLang="en-US" smtClean="0"/>
               <a:t>第三级</a:t>
             </a:r>
+            <a:endParaRPr lang="zh-CN" altLang="en-US" smtClean="0"/>
           </a:p>
           <a:p>
             <a:pPr lvl="3" eaLnBrk="1" latinLnBrk="0" hangingPunct="1"/>
@@ -972,6 +977,7 @@
               <a:rPr lang="zh-CN" altLang="en-US" smtClean="0"/>
               <a:t>第四级</a:t>
             </a:r>
+            <a:endParaRPr lang="zh-CN" altLang="en-US" smtClean="0"/>
           </a:p>
           <a:p>
             <a:pPr lvl="4" eaLnBrk="1" latinLnBrk="0" hangingPunct="1"/>
@@ -1005,7 +1011,6 @@
           <a:p>
             <a:fld id="{530820CF-B880-4189-942D-D702A7CBA730}" type="datetimeFigureOut">
               <a:rPr lang="zh-CN" altLang="en-US" smtClean="0"/>
-              <a:t>2018/10/31</a:t>
             </a:fld>
             <a:endParaRPr lang="zh-CN" altLang="en-US"/>
           </a:p>
@@ -1052,7 +1057,6 @@
           <a:p>
             <a:fld id="{0C913308-F349-4B6D-A68A-DD1791B4A57B}" type="slidenum">
               <a:rPr lang="zh-CN" altLang="en-US" smtClean="0"/>
-              <a:t>‹#›</a:t>
             </a:fld>
             <a:endParaRPr lang="zh-CN" altLang="en-US"/>
           </a:p>
@@ -1295,6 +1299,7 @@
               <a:rPr lang="zh-CN" altLang="en-US" smtClean="0"/>
               <a:t>单击此处编辑母版文本样式</a:t>
             </a:r>
+            <a:endParaRPr lang="zh-CN" altLang="en-US" smtClean="0"/>
           </a:p>
           <a:p>
             <a:pPr lvl="1" eaLnBrk="1" latinLnBrk="0" hangingPunct="1"/>
@@ -1302,6 +1307,7 @@
               <a:rPr lang="zh-CN" altLang="en-US" smtClean="0"/>
               <a:t>第二级</a:t>
             </a:r>
+            <a:endParaRPr lang="zh-CN" altLang="en-US" smtClean="0"/>
           </a:p>
           <a:p>
             <a:pPr lvl="2" eaLnBrk="1" latinLnBrk="0" hangingPunct="1"/>
@@ -1309,6 +1315,7 @@
               <a:rPr lang="zh-CN" altLang="en-US" smtClean="0"/>
               <a:t>第三级</a:t>
             </a:r>
+            <a:endParaRPr lang="zh-CN" altLang="en-US" smtClean="0"/>
           </a:p>
           <a:p>
             <a:pPr lvl="3" eaLnBrk="1" latinLnBrk="0" hangingPunct="1"/>
@@ -1316,6 +1323,7 @@
               <a:rPr lang="zh-CN" altLang="en-US" smtClean="0"/>
               <a:t>第四级</a:t>
             </a:r>
+            <a:endParaRPr lang="zh-CN" altLang="en-US" smtClean="0"/>
           </a:p>
           <a:p>
             <a:pPr lvl="4" eaLnBrk="1" latinLnBrk="0" hangingPunct="1"/>
@@ -1344,7 +1352,6 @@
           <a:p>
             <a:fld id="{530820CF-B880-4189-942D-D702A7CBA730}" type="datetimeFigureOut">
               <a:rPr lang="zh-CN" altLang="en-US" smtClean="0"/>
-              <a:t>2018/10/31</a:t>
             </a:fld>
             <a:endParaRPr lang="zh-CN" altLang="en-US"/>
           </a:p>
@@ -1386,7 +1393,6 @@
           <a:p>
             <a:fld id="{0C913308-F349-4B6D-A68A-DD1791B4A57B}" type="slidenum">
               <a:rPr lang="zh-CN" altLang="en-US" smtClean="0"/>
-              <a:t>‹#›</a:t>
             </a:fld>
             <a:endParaRPr lang="zh-CN" altLang="en-US"/>
           </a:p>
@@ -1557,6 +1563,7 @@
               <a:rPr lang="zh-CN" altLang="en-US" smtClean="0"/>
               <a:t>单击此处编辑母版文本样式</a:t>
             </a:r>
+            <a:endParaRPr lang="zh-CN" altLang="en-US" smtClean="0"/>
           </a:p>
           <a:p>
             <a:pPr lvl="1" eaLnBrk="1" latinLnBrk="0" hangingPunct="1"/>
@@ -1564,6 +1571,7 @@
               <a:rPr lang="zh-CN" altLang="en-US" smtClean="0"/>
               <a:t>第二级</a:t>
             </a:r>
+            <a:endParaRPr lang="zh-CN" altLang="en-US" smtClean="0"/>
           </a:p>
           <a:p>
             <a:pPr lvl="2" eaLnBrk="1" latinLnBrk="0" hangingPunct="1"/>
@@ -1571,6 +1579,7 @@
               <a:rPr lang="zh-CN" altLang="en-US" smtClean="0"/>
               <a:t>第三级</a:t>
             </a:r>
+            <a:endParaRPr lang="zh-CN" altLang="en-US" smtClean="0"/>
           </a:p>
           <a:p>
             <a:pPr lvl="3" eaLnBrk="1" latinLnBrk="0" hangingPunct="1"/>
@@ -1578,6 +1587,7 @@
               <a:rPr lang="zh-CN" altLang="en-US" smtClean="0"/>
               <a:t>第四级</a:t>
             </a:r>
+            <a:endParaRPr lang="zh-CN" altLang="en-US" smtClean="0"/>
           </a:p>
           <a:p>
             <a:pPr lvl="4" eaLnBrk="1" latinLnBrk="0" hangingPunct="1"/>
@@ -1642,6 +1652,7 @@
               <a:rPr lang="zh-CN" altLang="en-US" smtClean="0"/>
               <a:t>单击此处编辑母版文本样式</a:t>
             </a:r>
+            <a:endParaRPr lang="zh-CN" altLang="en-US" smtClean="0"/>
           </a:p>
           <a:p>
             <a:pPr lvl="1" eaLnBrk="1" latinLnBrk="0" hangingPunct="1"/>
@@ -1649,6 +1660,7 @@
               <a:rPr lang="zh-CN" altLang="en-US" smtClean="0"/>
               <a:t>第二级</a:t>
             </a:r>
+            <a:endParaRPr lang="zh-CN" altLang="en-US" smtClean="0"/>
           </a:p>
           <a:p>
             <a:pPr lvl="2" eaLnBrk="1" latinLnBrk="0" hangingPunct="1"/>
@@ -1656,6 +1668,7 @@
               <a:rPr lang="zh-CN" altLang="en-US" smtClean="0"/>
               <a:t>第三级</a:t>
             </a:r>
+            <a:endParaRPr lang="zh-CN" altLang="en-US" smtClean="0"/>
           </a:p>
           <a:p>
             <a:pPr lvl="3" eaLnBrk="1" latinLnBrk="0" hangingPunct="1"/>
@@ -1663,6 +1676,7 @@
               <a:rPr lang="zh-CN" altLang="en-US" smtClean="0"/>
               <a:t>第四级</a:t>
             </a:r>
+            <a:endParaRPr lang="zh-CN" altLang="en-US" smtClean="0"/>
           </a:p>
           <a:p>
             <a:pPr lvl="4" eaLnBrk="1" latinLnBrk="0" hangingPunct="1"/>
@@ -1691,7 +1705,6 @@
           <a:p>
             <a:fld id="{530820CF-B880-4189-942D-D702A7CBA730}" type="datetimeFigureOut">
               <a:rPr lang="zh-CN" altLang="en-US" smtClean="0"/>
-              <a:t>2018/10/31</a:t>
             </a:fld>
             <a:endParaRPr lang="zh-CN" altLang="en-US"/>
           </a:p>
@@ -1733,7 +1746,6 @@
           <a:p>
             <a:fld id="{0C913308-F349-4B6D-A68A-DD1791B4A57B}" type="slidenum">
               <a:rPr lang="zh-CN" altLang="en-US" smtClean="0"/>
-              <a:t>‹#›</a:t>
             </a:fld>
             <a:endParaRPr lang="zh-CN" altLang="en-US"/>
           </a:p>
@@ -1957,6 +1969,7 @@
               <a:rPr kumimoji="0" lang="zh-CN" altLang="en-US" smtClean="0"/>
               <a:t>单击此处编辑母版文本样式</a:t>
             </a:r>
+            <a:endParaRPr kumimoji="0" lang="zh-CN" altLang="en-US" smtClean="0"/>
           </a:p>
         </p:txBody>
       </p:sp>
@@ -2013,6 +2026,7 @@
               <a:rPr lang="zh-CN" altLang="en-US" smtClean="0"/>
               <a:t>单击此处编辑母版文本样式</a:t>
             </a:r>
+            <a:endParaRPr lang="zh-CN" altLang="en-US" smtClean="0"/>
           </a:p>
           <a:p>
             <a:pPr lvl="1" eaLnBrk="1" latinLnBrk="0" hangingPunct="1"/>
@@ -2020,6 +2034,7 @@
               <a:rPr lang="zh-CN" altLang="en-US" smtClean="0"/>
               <a:t>第二级</a:t>
             </a:r>
+            <a:endParaRPr lang="zh-CN" altLang="en-US" smtClean="0"/>
           </a:p>
           <a:p>
             <a:pPr lvl="2" eaLnBrk="1" latinLnBrk="0" hangingPunct="1"/>
@@ -2027,6 +2042,7 @@
               <a:rPr lang="zh-CN" altLang="en-US" smtClean="0"/>
               <a:t>第三级</a:t>
             </a:r>
+            <a:endParaRPr lang="zh-CN" altLang="en-US" smtClean="0"/>
           </a:p>
           <a:p>
             <a:pPr lvl="3" eaLnBrk="1" latinLnBrk="0" hangingPunct="1"/>
@@ -2034,6 +2050,7 @@
               <a:rPr lang="zh-CN" altLang="en-US" smtClean="0"/>
               <a:t>第四级</a:t>
             </a:r>
+            <a:endParaRPr lang="zh-CN" altLang="en-US" smtClean="0"/>
           </a:p>
           <a:p>
             <a:pPr lvl="4" eaLnBrk="1" latinLnBrk="0" hangingPunct="1"/>
@@ -2147,6 +2164,7 @@
               <a:rPr kumimoji="0" lang="zh-CN" altLang="en-US" smtClean="0"/>
               <a:t>单击此处编辑母版文本样式</a:t>
             </a:r>
+            <a:endParaRPr kumimoji="0" lang="zh-CN" altLang="en-US" smtClean="0"/>
           </a:p>
         </p:txBody>
       </p:sp>
@@ -2203,6 +2221,7 @@
               <a:rPr lang="zh-CN" altLang="en-US" smtClean="0"/>
               <a:t>单击此处编辑母版文本样式</a:t>
             </a:r>
+            <a:endParaRPr lang="zh-CN" altLang="en-US" smtClean="0"/>
           </a:p>
           <a:p>
             <a:pPr lvl="1" eaLnBrk="1" latinLnBrk="0" hangingPunct="1"/>
@@ -2210,6 +2229,7 @@
               <a:rPr lang="zh-CN" altLang="en-US" smtClean="0"/>
               <a:t>第二级</a:t>
             </a:r>
+            <a:endParaRPr lang="zh-CN" altLang="en-US" smtClean="0"/>
           </a:p>
           <a:p>
             <a:pPr lvl="2" eaLnBrk="1" latinLnBrk="0" hangingPunct="1"/>
@@ -2217,6 +2237,7 @@
               <a:rPr lang="zh-CN" altLang="en-US" smtClean="0"/>
               <a:t>第三级</a:t>
             </a:r>
+            <a:endParaRPr lang="zh-CN" altLang="en-US" smtClean="0"/>
           </a:p>
           <a:p>
             <a:pPr lvl="3" eaLnBrk="1" latinLnBrk="0" hangingPunct="1"/>
@@ -2224,6 +2245,7 @@
               <a:rPr lang="zh-CN" altLang="en-US" smtClean="0"/>
               <a:t>第四级</a:t>
             </a:r>
+            <a:endParaRPr lang="zh-CN" altLang="en-US" smtClean="0"/>
           </a:p>
           <a:p>
             <a:pPr lvl="4" eaLnBrk="1" latinLnBrk="0" hangingPunct="1"/>
@@ -2252,7 +2274,6 @@
           <a:p>
             <a:fld id="{530820CF-B880-4189-942D-D702A7CBA730}" type="datetimeFigureOut">
               <a:rPr lang="zh-CN" altLang="en-US" smtClean="0"/>
-              <a:t>2018/10/31</a:t>
             </a:fld>
             <a:endParaRPr lang="zh-CN" altLang="en-US"/>
           </a:p>
@@ -2294,7 +2315,6 @@
           <a:p>
             <a:fld id="{0C913308-F349-4B6D-A68A-DD1791B4A57B}" type="slidenum">
               <a:rPr lang="zh-CN" altLang="en-US" smtClean="0"/>
-              <a:t>‹#›</a:t>
             </a:fld>
             <a:endParaRPr lang="zh-CN" altLang="en-US"/>
           </a:p>
@@ -2429,7 +2449,6 @@
           <a:p>
             <a:fld id="{530820CF-B880-4189-942D-D702A7CBA730}" type="datetimeFigureOut">
               <a:rPr lang="zh-CN" altLang="en-US" smtClean="0"/>
-              <a:t>2018/10/31</a:t>
             </a:fld>
             <a:endParaRPr lang="zh-CN" altLang="en-US"/>
           </a:p>
@@ -2471,7 +2490,6 @@
           <a:p>
             <a:fld id="{0C913308-F349-4B6D-A68A-DD1791B4A57B}" type="slidenum">
               <a:rPr lang="zh-CN" altLang="en-US" smtClean="0"/>
-              <a:t>‹#›</a:t>
             </a:fld>
             <a:endParaRPr lang="zh-CN" altLang="en-US"/>
           </a:p>
@@ -2524,7 +2542,6 @@
           <a:p>
             <a:fld id="{530820CF-B880-4189-942D-D702A7CBA730}" type="datetimeFigureOut">
               <a:rPr lang="zh-CN" altLang="en-US" smtClean="0"/>
-              <a:t>2018/10/31</a:t>
             </a:fld>
             <a:endParaRPr lang="zh-CN" altLang="en-US"/>
           </a:p>
@@ -2566,7 +2583,6 @@
           <a:p>
             <a:fld id="{0C913308-F349-4B6D-A68A-DD1791B4A57B}" type="slidenum">
               <a:rPr lang="zh-CN" altLang="en-US" smtClean="0"/>
-              <a:t>‹#›</a:t>
             </a:fld>
             <a:endParaRPr lang="zh-CN" altLang="en-US"/>
           </a:p>
@@ -2746,6 +2762,7 @@
               <a:rPr lang="zh-CN" altLang="en-US" smtClean="0"/>
               <a:t>单击此处编辑母版文本样式</a:t>
             </a:r>
+            <a:endParaRPr lang="zh-CN" altLang="en-US" smtClean="0"/>
           </a:p>
           <a:p>
             <a:pPr lvl="1" eaLnBrk="1" latinLnBrk="0" hangingPunct="1"/>
@@ -2753,6 +2770,7 @@
               <a:rPr lang="zh-CN" altLang="en-US" smtClean="0"/>
               <a:t>第二级</a:t>
             </a:r>
+            <a:endParaRPr lang="zh-CN" altLang="en-US" smtClean="0"/>
           </a:p>
           <a:p>
             <a:pPr lvl="2" eaLnBrk="1" latinLnBrk="0" hangingPunct="1"/>
@@ -2760,6 +2778,7 @@
               <a:rPr lang="zh-CN" altLang="en-US" smtClean="0"/>
               <a:t>第三级</a:t>
             </a:r>
+            <a:endParaRPr lang="zh-CN" altLang="en-US" smtClean="0"/>
           </a:p>
           <a:p>
             <a:pPr lvl="3" eaLnBrk="1" latinLnBrk="0" hangingPunct="1"/>
@@ -2767,6 +2786,7 @@
               <a:rPr lang="zh-CN" altLang="en-US" smtClean="0"/>
               <a:t>第四级</a:t>
             </a:r>
+            <a:endParaRPr lang="zh-CN" altLang="en-US" smtClean="0"/>
           </a:p>
           <a:p>
             <a:pPr lvl="4" eaLnBrk="1" latinLnBrk="0" hangingPunct="1"/>
@@ -2840,6 +2860,7 @@
               <a:rPr lang="zh-CN" altLang="en-US" smtClean="0"/>
               <a:t>单击此处编辑母版文本样式</a:t>
             </a:r>
+            <a:endParaRPr lang="zh-CN" altLang="en-US" smtClean="0"/>
           </a:p>
           <a:p>
             <a:pPr lvl="1" eaLnBrk="1" latinLnBrk="0" hangingPunct="1"/>
@@ -2847,6 +2868,7 @@
               <a:rPr lang="zh-CN" altLang="en-US" smtClean="0"/>
               <a:t>第二级</a:t>
             </a:r>
+            <a:endParaRPr lang="zh-CN" altLang="en-US" smtClean="0"/>
           </a:p>
           <a:p>
             <a:pPr lvl="2" eaLnBrk="1" latinLnBrk="0" hangingPunct="1"/>
@@ -2854,6 +2876,7 @@
               <a:rPr lang="zh-CN" altLang="en-US" smtClean="0"/>
               <a:t>第三级</a:t>
             </a:r>
+            <a:endParaRPr lang="zh-CN" altLang="en-US" smtClean="0"/>
           </a:p>
           <a:p>
             <a:pPr lvl="3" eaLnBrk="1" latinLnBrk="0" hangingPunct="1"/>
@@ -2861,6 +2884,7 @@
               <a:rPr lang="zh-CN" altLang="en-US" smtClean="0"/>
               <a:t>第四级</a:t>
             </a:r>
+            <a:endParaRPr lang="zh-CN" altLang="en-US" smtClean="0"/>
           </a:p>
           <a:p>
             <a:pPr lvl="4" eaLnBrk="1" latinLnBrk="0" hangingPunct="1"/>
@@ -2889,7 +2913,6 @@
           <a:p>
             <a:fld id="{530820CF-B880-4189-942D-D702A7CBA730}" type="datetimeFigureOut">
               <a:rPr lang="zh-CN" altLang="en-US" smtClean="0"/>
-              <a:t>2018/10/31</a:t>
             </a:fld>
             <a:endParaRPr lang="zh-CN" altLang="en-US"/>
           </a:p>
@@ -2931,7 +2954,6 @@
           <a:p>
             <a:fld id="{0C913308-F349-4B6D-A68A-DD1791B4A57B}" type="slidenum">
               <a:rPr lang="zh-CN" altLang="en-US" smtClean="0"/>
-              <a:t>‹#›</a:t>
             </a:fld>
             <a:endParaRPr lang="zh-CN" altLang="en-US"/>
           </a:p>
@@ -3184,6 +3206,7 @@
               <a:rPr lang="zh-CN" altLang="en-US" smtClean="0"/>
               <a:t>单击此处编辑母版文本样式</a:t>
             </a:r>
+            <a:endParaRPr lang="zh-CN" altLang="en-US" smtClean="0"/>
           </a:p>
           <a:p>
             <a:pPr lvl="1" eaLnBrk="1" latinLnBrk="0" hangingPunct="1"/>
@@ -3191,6 +3214,7 @@
               <a:rPr lang="zh-CN" altLang="en-US" smtClean="0"/>
               <a:t>第二级</a:t>
             </a:r>
+            <a:endParaRPr lang="zh-CN" altLang="en-US" smtClean="0"/>
           </a:p>
           <a:p>
             <a:pPr lvl="2" eaLnBrk="1" latinLnBrk="0" hangingPunct="1"/>
@@ -3198,6 +3222,7 @@
               <a:rPr lang="zh-CN" altLang="en-US" smtClean="0"/>
               <a:t>第三级</a:t>
             </a:r>
+            <a:endParaRPr lang="zh-CN" altLang="en-US" smtClean="0"/>
           </a:p>
           <a:p>
             <a:pPr lvl="3" eaLnBrk="1" latinLnBrk="0" hangingPunct="1"/>
@@ -3205,6 +3230,7 @@
               <a:rPr lang="zh-CN" altLang="en-US" smtClean="0"/>
               <a:t>第四级</a:t>
             </a:r>
+            <a:endParaRPr lang="zh-CN" altLang="en-US" smtClean="0"/>
           </a:p>
           <a:p>
             <a:pPr lvl="4" eaLnBrk="1" latinLnBrk="0" hangingPunct="1"/>
@@ -3233,7 +3259,6 @@
           <a:p>
             <a:fld id="{530820CF-B880-4189-942D-D702A7CBA730}" type="datetimeFigureOut">
               <a:rPr lang="zh-CN" altLang="en-US" smtClean="0"/>
-              <a:t>2018/10/31</a:t>
             </a:fld>
             <a:endParaRPr lang="zh-CN" altLang="en-US"/>
           </a:p>
@@ -3275,7 +3300,6 @@
           <a:p>
             <a:fld id="{0C913308-F349-4B6D-A68A-DD1791B4A57B}" type="slidenum">
               <a:rPr lang="zh-CN" altLang="en-US" smtClean="0"/>
-              <a:t>‹#›</a:t>
             </a:fld>
             <a:endParaRPr lang="zh-CN" altLang="en-US"/>
           </a:p>
@@ -3436,6 +3460,7 @@
               <a:rPr kumimoji="0" lang="zh-CN" altLang="en-US" smtClean="0"/>
               <a:t>单击此处编辑母版文本样式</a:t>
             </a:r>
+            <a:endParaRPr kumimoji="0" lang="zh-CN" altLang="en-US" smtClean="0"/>
           </a:p>
           <a:p>
             <a:pPr lvl="1" eaLnBrk="1" latinLnBrk="0" hangingPunct="1"/>
@@ -3443,6 +3468,7 @@
               <a:rPr kumimoji="0" lang="zh-CN" altLang="en-US" smtClean="0"/>
               <a:t>第二级</a:t>
             </a:r>
+            <a:endParaRPr kumimoji="0" lang="zh-CN" altLang="en-US" smtClean="0"/>
           </a:p>
           <a:p>
             <a:pPr lvl="2" eaLnBrk="1" latinLnBrk="0" hangingPunct="1"/>
@@ -3450,6 +3476,7 @@
               <a:rPr kumimoji="0" lang="zh-CN" altLang="en-US" smtClean="0"/>
               <a:t>第三级</a:t>
             </a:r>
+            <a:endParaRPr kumimoji="0" lang="zh-CN" altLang="en-US" smtClean="0"/>
           </a:p>
           <a:p>
             <a:pPr lvl="3" eaLnBrk="1" latinLnBrk="0" hangingPunct="1"/>
@@ -3457,6 +3484,7 @@
               <a:rPr kumimoji="0" lang="zh-CN" altLang="en-US" smtClean="0"/>
               <a:t>第四级</a:t>
             </a:r>
+            <a:endParaRPr kumimoji="0" lang="zh-CN" altLang="en-US" smtClean="0"/>
           </a:p>
           <a:p>
             <a:pPr lvl="4" eaLnBrk="1" latinLnBrk="0" hangingPunct="1"/>
@@ -3504,7 +3532,6 @@
           <a:p>
             <a:fld id="{530820CF-B880-4189-942D-D702A7CBA730}" type="datetimeFigureOut">
               <a:rPr lang="zh-CN" altLang="en-US" smtClean="0"/>
-              <a:t>2018/10/31</a:t>
             </a:fld>
             <a:endParaRPr lang="zh-CN" altLang="en-US"/>
           </a:p>
@@ -3585,7 +3612,6 @@
           <a:p>
             <a:fld id="{0C913308-F349-4B6D-A68A-DD1791B4A57B}" type="slidenum">
               <a:rPr lang="zh-CN" altLang="en-US" smtClean="0"/>
-              <a:t>‹#›</a:t>
             </a:fld>
             <a:endParaRPr lang="zh-CN" altLang="en-US"/>
           </a:p>
@@ -3657,17 +3683,17 @@
   </p:cSld>
   <p:clrMap bg1="lt1" tx1="dk1" bg2="lt2" tx2="dk2" accent1="accent1" accent2="accent2" accent3="accent3" accent4="accent4" accent5="accent5" accent6="accent6" hlink="hlink" folHlink="folHlink"/>
   <p:sldLayoutIdLst>
-    <p:sldLayoutId id="2147483661" r:id="rId1"/>
-    <p:sldLayoutId id="2147483662" r:id="rId2"/>
-    <p:sldLayoutId id="2147483663" r:id="rId3"/>
-    <p:sldLayoutId id="2147483664" r:id="rId4"/>
-    <p:sldLayoutId id="2147483665" r:id="rId5"/>
-    <p:sldLayoutId id="2147483666" r:id="rId6"/>
-    <p:sldLayoutId id="2147483667" r:id="rId7"/>
-    <p:sldLayoutId id="2147483668" r:id="rId8"/>
-    <p:sldLayoutId id="2147483669" r:id="rId9"/>
-    <p:sldLayoutId id="2147483670" r:id="rId10"/>
-    <p:sldLayoutId id="2147483671" r:id="rId11"/>
+    <p:sldLayoutId id="2147483649" r:id="rId1"/>
+    <p:sldLayoutId id="2147483650" r:id="rId2"/>
+    <p:sldLayoutId id="2147483651" r:id="rId3"/>
+    <p:sldLayoutId id="2147483652" r:id="rId4"/>
+    <p:sldLayoutId id="2147483653" r:id="rId5"/>
+    <p:sldLayoutId id="2147483654" r:id="rId6"/>
+    <p:sldLayoutId id="2147483655" r:id="rId7"/>
+    <p:sldLayoutId id="2147483656" r:id="rId8"/>
+    <p:sldLayoutId id="2147483657" r:id="rId9"/>
+    <p:sldLayoutId id="2147483658" r:id="rId10"/>
+    <p:sldLayoutId id="2147483659" r:id="rId11"/>
   </p:sldLayoutIdLst>
   <p:txStyles>
     <p:titleStyle>
@@ -3751,7 +3777,7 @@
           <a:schemeClr val="tx2"/>
         </a:buClr>
         <a:buSzPct val="50000"/>
-        <a:buFont typeface="Wingdings 2"/>
+        <a:buFont typeface="Wingdings 2" panose="05020102010507070707"/>
         <a:buChar char="ß"/>
         <a:defRPr kumimoji="0" sz="3200" kern="1200">
           <a:solidFill>
@@ -3770,7 +3796,7 @@
           <a:schemeClr val="tx2"/>
         </a:buClr>
         <a:buSzPct val="50000"/>
-        <a:buFont typeface="Wingdings 2"/>
+        <a:buFont typeface="Wingdings 2" panose="05020102010507070707"/>
         <a:buChar char="Þ"/>
         <a:defRPr kumimoji="0" sz="2800" kern="1200">
           <a:solidFill>
@@ -3789,7 +3815,7 @@
           <a:schemeClr val="tx2"/>
         </a:buClr>
         <a:buSzPct val="50000"/>
-        <a:buFont typeface="Wingdings 2"/>
+        <a:buFont typeface="Wingdings 2" panose="05020102010507070707"/>
         <a:buChar char=""/>
         <a:defRPr kumimoji="0" sz="2400" kern="1200">
           <a:solidFill>
@@ -3808,7 +3834,7 @@
           <a:schemeClr val="tx2"/>
         </a:buClr>
         <a:buSzPct val="50000"/>
-        <a:buFont typeface="Wingdings 2"/>
+        <a:buFont typeface="Wingdings 2" panose="05020102010507070707"/>
         <a:buChar char=""/>
         <a:defRPr kumimoji="0" sz="2000" kern="1200">
           <a:solidFill>
@@ -3827,7 +3853,7 @@
           <a:schemeClr val="tx2"/>
         </a:buClr>
         <a:buSzPct val="50000"/>
-        <a:buFont typeface="Wingdings 2"/>
+        <a:buFont typeface="Wingdings 2" panose="05020102010507070707"/>
         <a:buChar char=""/>
         <a:defRPr kumimoji="0" sz="2000" kern="1200">
           <a:solidFill>
@@ -3842,7 +3868,7 @@
         <a:spcBef>
           <a:spcPct val="20000"/>
         </a:spcBef>
-        <a:buFont typeface="Arial"/>
+        <a:buFont typeface="Arial" panose="020B0604020202020204"/>
         <a:buChar char="•"/>
         <a:defRPr kumimoji="0" sz="2000" kern="1200">
           <a:solidFill>
@@ -3857,7 +3883,7 @@
         <a:spcBef>
           <a:spcPct val="20000"/>
         </a:spcBef>
-        <a:buFont typeface="Arial"/>
+        <a:buFont typeface="Arial" panose="020B0604020202020204"/>
         <a:buChar char="•"/>
         <a:defRPr kumimoji="0" sz="2000" kern="1200">
           <a:solidFill>
@@ -3872,7 +3898,7 @@
         <a:spcBef>
           <a:spcPct val="20000"/>
         </a:spcBef>
-        <a:buFont typeface="Arial"/>
+        <a:buFont typeface="Arial" panose="020B0604020202020204"/>
         <a:buChar char="•"/>
         <a:defRPr kumimoji="0" sz="2000" kern="1200">
           <a:solidFill>
@@ -3887,7 +3913,7 @@
         <a:spcBef>
           <a:spcPct val="20000"/>
         </a:spcBef>
-        <a:buFont typeface="Arial"/>
+        <a:buFont typeface="Arial" panose="020B0604020202020204"/>
         <a:buChar char="•"/>
         <a:defRPr kumimoji="0" sz="2000" kern="1200">
           <a:solidFill>
@@ -4059,11 +4085,6 @@
         </p:txBody>
       </p:sp>
     </p:spTree>
-    <p:extLst>
-      <p:ext uri="{BB962C8B-B14F-4D97-AF65-F5344CB8AC3E}">
-        <p14:creationId xmlns:p14="http://schemas.microsoft.com/office/powerpoint/2010/main" val="442747618"/>
-      </p:ext>
-    </p:extLst>
   </p:cSld>
   <p:clrMapOvr>
     <a:masterClrMapping/>
@@ -4171,11 +4192,6 @@
         </p:txBody>
       </p:sp>
     </p:spTree>
-    <p:extLst>
-      <p:ext uri="{BB962C8B-B14F-4D97-AF65-F5344CB8AC3E}">
-        <p14:creationId xmlns:p14="http://schemas.microsoft.com/office/powerpoint/2010/main" val="3837305192"/>
-      </p:ext>
-    </p:extLst>
   </p:cSld>
   <p:clrMapOvr>
     <a:masterClrMapping/>
@@ -4339,7 +4355,7 @@
           <p:nvPr/>
         </p:nvPicPr>
         <p:blipFill>
-          <a:blip r:embed="rId2">
+          <a:blip r:embed="rId1">
             <a:extLst>
               <a:ext uri="{28A0092B-C50C-407E-A947-70E740481C1C}">
                 <a14:useLocalDpi xmlns:a14="http://schemas.microsoft.com/office/drawing/2010/main" val="0"/>
@@ -4395,11 +4411,6 @@
         </p:spPr>
       </p:pic>
     </p:spTree>
-    <p:extLst>
-      <p:ext uri="{BB962C8B-B14F-4D97-AF65-F5344CB8AC3E}">
-        <p14:creationId xmlns:p14="http://schemas.microsoft.com/office/powerpoint/2010/main" val="800694469"/>
-      </p:ext>
-    </p:extLst>
   </p:cSld>
   <p:clrMapOvr>
     <a:masterClrMapping/>
@@ -4505,7 +4516,7 @@
           <p:nvPr/>
         </p:nvPicPr>
         <p:blipFill>
-          <a:blip r:embed="rId2">
+          <a:blip r:embed="rId1">
             <a:extLst>
               <a:ext uri="{28A0092B-C50C-407E-A947-70E740481C1C}">
                 <a14:useLocalDpi xmlns:a14="http://schemas.microsoft.com/office/drawing/2010/main" val="0"/>
@@ -4561,11 +4572,6 @@
         </p:spPr>
       </p:pic>
     </p:spTree>
-    <p:extLst>
-      <p:ext uri="{BB962C8B-B14F-4D97-AF65-F5344CB8AC3E}">
-        <p14:creationId xmlns:p14="http://schemas.microsoft.com/office/powerpoint/2010/main" val="893797973"/>
-      </p:ext>
-    </p:extLst>
   </p:cSld>
   <p:clrMapOvr>
     <a:masterClrMapping/>
@@ -4781,18 +4787,14 @@
               <a:rPr lang="zh-CN" altLang="en-US" dirty="0"/>
               <a:t>与其他方法比起来更优秀</a:t>
             </a:r>
-          </a:p>
-          <a:p>
             <a:endParaRPr lang="zh-CN" altLang="en-US" dirty="0"/>
           </a:p>
+          <a:p>
+            <a:endParaRPr lang="zh-CN" altLang="en-US" dirty="0"/>
+          </a:p>
         </p:txBody>
       </p:sp>
     </p:spTree>
-    <p:extLst>
-      <p:ext uri="{BB962C8B-B14F-4D97-AF65-F5344CB8AC3E}">
-        <p14:creationId xmlns:p14="http://schemas.microsoft.com/office/powerpoint/2010/main" val="779385332"/>
-      </p:ext>
-    </p:extLst>
   </p:cSld>
   <p:clrMapOvr>
     <a:masterClrMapping/>
@@ -4923,7 +4925,7 @@
           <p:nvPr/>
         </p:nvPicPr>
         <p:blipFill>
-          <a:blip r:embed="rId2">
+          <a:blip r:embed="rId1">
             <a:extLst>
               <a:ext uri="{28A0092B-C50C-407E-A947-70E740481C1C}">
                 <a14:useLocalDpi xmlns:a14="http://schemas.microsoft.com/office/drawing/2010/main" val="0"/>
@@ -4956,11 +4958,6 @@
         </p:spPr>
       </p:pic>
     </p:spTree>
-    <p:extLst>
-      <p:ext uri="{BB962C8B-B14F-4D97-AF65-F5344CB8AC3E}">
-        <p14:creationId xmlns:p14="http://schemas.microsoft.com/office/powerpoint/2010/main" val="3321010133"/>
-      </p:ext>
-    </p:extLst>
   </p:cSld>
   <p:clrMapOvr>
     <a:masterClrMapping/>
@@ -5037,16 +5034,16 @@
           </p:cNvPicPr>
           <p:nvPr>
             <p:ph idx="1"/>
-            <a:videoFile r:link="rId2"/>
+            <a:videoFile r:link="rId1"/>
             <p:extLst>
               <p:ext uri="{DAA4B4D4-6D71-4841-9C94-3DE7FCFB9230}">
-                <p14:media xmlns:p14="http://schemas.microsoft.com/office/powerpoint/2010/main" r:embed="rId1"/>
+                <p14:media xmlns:p14="http://schemas.microsoft.com/office/powerpoint/2010/main" r:embed="rId2"/>
               </p:ext>
             </p:extLst>
           </p:nvPr>
         </p:nvPicPr>
         <p:blipFill>
-          <a:blip r:embed="rId4"/>
+          <a:blip r:embed="rId3"/>
           <a:stretch>
             <a:fillRect/>
           </a:stretch>
@@ -5059,11 +5056,6 @@
         </p:spPr>
       </p:pic>
     </p:spTree>
-    <p:extLst>
-      <p:ext uri="{BB962C8B-B14F-4D97-AF65-F5344CB8AC3E}">
-        <p14:creationId xmlns:p14="http://schemas.microsoft.com/office/powerpoint/2010/main" val="4063418954"/>
-      </p:ext>
-    </p:extLst>
   </p:cSld>
   <p:clrMapOvr>
     <a:masterClrMapping/>
@@ -5278,11 +5270,6 @@
         </p:txBody>
       </p:sp>
     </p:spTree>
-    <p:extLst>
-      <p:ext uri="{BB962C8B-B14F-4D97-AF65-F5344CB8AC3E}">
-        <p14:creationId xmlns:p14="http://schemas.microsoft.com/office/powerpoint/2010/main" val="2835501132"/>
-      </p:ext>
-    </p:extLst>
   </p:cSld>
   <p:clrMapOvr>
     <a:masterClrMapping/>
@@ -5444,11 +5431,6 @@
         </p:txBody>
       </p:sp>
     </p:spTree>
-    <p:extLst>
-      <p:ext uri="{BB962C8B-B14F-4D97-AF65-F5344CB8AC3E}">
-        <p14:creationId xmlns:p14="http://schemas.microsoft.com/office/powerpoint/2010/main" val="930594087"/>
-      </p:ext>
-    </p:extLst>
   </p:cSld>
   <p:clrMapOvr>
     <a:masterClrMapping/>
@@ -5538,7 +5520,7 @@
           </p:nvPr>
         </p:nvPicPr>
         <p:blipFill>
-          <a:blip r:embed="rId2">
+          <a:blip r:embed="rId1">
             <a:extLst>
               <a:ext uri="{28A0092B-C50C-407E-A947-70E740481C1C}">
                 <a14:useLocalDpi xmlns:a14="http://schemas.microsoft.com/office/drawing/2010/main" val="0"/>
@@ -5565,11 +5547,6 @@
         </p:spPr>
       </p:pic>
     </p:spTree>
-    <p:extLst>
-      <p:ext uri="{BB962C8B-B14F-4D97-AF65-F5344CB8AC3E}">
-        <p14:creationId xmlns:p14="http://schemas.microsoft.com/office/powerpoint/2010/main" val="3209859583"/>
-      </p:ext>
-    </p:extLst>
   </p:cSld>
   <p:clrMapOvr>
     <a:masterClrMapping/>
@@ -5630,6 +5607,9 @@
               </a:rPr>
               <a:t>、深度学习简介</a:t>
             </a:r>
+            <a:endParaRPr lang="zh-CN" altLang="en-US" sz="4000" dirty="0">
+              <a:latin typeface="+mj-ea"/>
+            </a:endParaRPr>
           </a:p>
         </p:txBody>
       </p:sp>
@@ -5676,11 +5656,6 @@
         </p:txBody>
       </p:sp>
     </p:spTree>
-    <p:extLst>
-      <p:ext uri="{BB962C8B-B14F-4D97-AF65-F5344CB8AC3E}">
-        <p14:creationId xmlns:p14="http://schemas.microsoft.com/office/powerpoint/2010/main" val="825602879"/>
-      </p:ext>
-    </p:extLst>
   </p:cSld>
   <p:clrMapOvr>
     <a:masterClrMapping/>
@@ -5741,6 +5716,9 @@
               </a:rPr>
               <a:t>、深度学习简介</a:t>
             </a:r>
+            <a:endParaRPr lang="zh-CN" altLang="en-US" sz="4000" dirty="0">
+              <a:latin typeface="+mj-ea"/>
+            </a:endParaRPr>
           </a:p>
         </p:txBody>
       </p:sp>
@@ -5755,7 +5733,7 @@
           </p:nvPr>
         </p:nvPicPr>
         <p:blipFill>
-          <a:blip r:embed="rId2">
+          <a:blip r:embed="rId1">
             <a:extLst>
               <a:ext uri="{28A0092B-C50C-407E-A947-70E740481C1C}">
                 <a14:useLocalDpi xmlns:a14="http://schemas.microsoft.com/office/drawing/2010/main" val="0"/>
@@ -5782,11 +5760,6 @@
         </p:spPr>
       </p:pic>
     </p:spTree>
-    <p:extLst>
-      <p:ext uri="{BB962C8B-B14F-4D97-AF65-F5344CB8AC3E}">
-        <p14:creationId xmlns:p14="http://schemas.microsoft.com/office/powerpoint/2010/main" val="742276800"/>
-      </p:ext>
-    </p:extLst>
   </p:cSld>
   <p:clrMapOvr>
     <a:masterClrMapping/>
@@ -5847,6 +5820,9 @@
               </a:rPr>
               <a:t>、深度学习简介</a:t>
             </a:r>
+            <a:endParaRPr lang="zh-CN" altLang="en-US" sz="4000" dirty="0">
+              <a:latin typeface="+mj-ea"/>
+            </a:endParaRPr>
           </a:p>
         </p:txBody>
       </p:sp>
@@ -5877,7 +5853,7 @@
             </a:pPr>
             <a:r>
               <a:rPr lang="zh-CN" altLang="en-US" sz="1800" dirty="0">
-                <a:hlinkClick r:id="rId2"/>
+                <a:hlinkClick r:id="rId1"/>
               </a:rPr>
               <a:t>转</a:t>
             </a:r>
@@ -5888,7 +5864,7 @@
       <p:pic>
         <p:nvPicPr>
           <p:cNvPr id="1026" name="Picture 2">
-            <a:hlinkClick r:id="rId2"/>
+            <a:hlinkClick r:id="rId1"/>
           </p:cNvPr>
           <p:cNvPicPr>
             <a:picLocks noChangeAspect="1" noChangeArrowheads="1"/>
@@ -5896,7 +5872,7 @@
           <p:nvPr/>
         </p:nvPicPr>
         <p:blipFill>
-          <a:blip r:embed="rId3">
+          <a:blip r:embed="rId2">
             <a:extLst>
               <a:ext uri="{28A0092B-C50C-407E-A947-70E740481C1C}">
                 <a14:useLocalDpi xmlns:a14="http://schemas.microsoft.com/office/drawing/2010/main" val="0"/>
@@ -5952,11 +5928,6 @@
         </p:spPr>
       </p:pic>
     </p:spTree>
-    <p:extLst>
-      <p:ext uri="{BB962C8B-B14F-4D97-AF65-F5344CB8AC3E}">
-        <p14:creationId xmlns:p14="http://schemas.microsoft.com/office/powerpoint/2010/main" val="1952046581"/>
-      </p:ext>
-    </p:extLst>
   </p:cSld>
   <p:clrMapOvr>
     <a:masterClrMapping/>
@@ -6017,6 +5988,9 @@
               </a:rPr>
               <a:t>、深度学习简介</a:t>
             </a:r>
+            <a:endParaRPr lang="zh-CN" altLang="en-US" sz="4000" dirty="0">
+              <a:latin typeface="+mj-ea"/>
+            </a:endParaRPr>
           </a:p>
         </p:txBody>
       </p:sp>
@@ -6099,7 +6073,7 @@
           <p:nvPr/>
         </p:nvPicPr>
         <p:blipFill>
-          <a:blip r:embed="rId2">
+          <a:blip r:embed="rId1">
             <a:extLst>
               <a:ext uri="{28A0092B-C50C-407E-A947-70E740481C1C}">
                 <a14:useLocalDpi xmlns:a14="http://schemas.microsoft.com/office/drawing/2010/main" val="0"/>
@@ -6163,7 +6137,7 @@
           <p:nvPr/>
         </p:nvPicPr>
         <p:blipFill>
-          <a:blip r:embed="rId3">
+          <a:blip r:embed="rId2">
             <a:extLst>
               <a:ext uri="{28A0092B-C50C-407E-A947-70E740481C1C}">
                 <a14:useLocalDpi xmlns:a14="http://schemas.microsoft.com/office/drawing/2010/main" val="0"/>
@@ -6196,11 +6170,6 @@
         </p:spPr>
       </p:pic>
     </p:spTree>
-    <p:extLst>
-      <p:ext uri="{BB962C8B-B14F-4D97-AF65-F5344CB8AC3E}">
-        <p14:creationId xmlns:p14="http://schemas.microsoft.com/office/powerpoint/2010/main" val="387963246"/>
-      </p:ext>
-    </p:extLst>
   </p:cSld>
   <p:clrMapOvr>
     <a:masterClrMapping/>
@@ -6402,11 +6371,6 @@
         </p:txBody>
       </p:sp>
     </p:spTree>
-    <p:extLst>
-      <p:ext uri="{BB962C8B-B14F-4D97-AF65-F5344CB8AC3E}">
-        <p14:creationId xmlns:p14="http://schemas.microsoft.com/office/powerpoint/2010/main" val="3505798534"/>
-      </p:ext>
-    </p:extLst>
   </p:cSld>
   <p:clrMapOvr>
     <a:masterClrMapping/>
@@ -6607,15 +6571,11 @@
               <a:rPr lang="zh-CN" altLang="en-US" dirty="0"/>
               <a:t>）方法进行窗口合并。</a:t>
             </a:r>
+            <a:endParaRPr lang="zh-CN" altLang="en-US" dirty="0"/>
           </a:p>
         </p:txBody>
       </p:sp>
     </p:spTree>
-    <p:extLst>
-      <p:ext uri="{BB962C8B-B14F-4D97-AF65-F5344CB8AC3E}">
-        <p14:creationId xmlns:p14="http://schemas.microsoft.com/office/powerpoint/2010/main" val="732105993"/>
-      </p:ext>
-    </p:extLst>
   </p:cSld>
   <p:clrMapOvr>
     <a:masterClrMapping/>
@@ -6923,7 +6883,10 @@
       </a:bgFillStyleLst>
     </a:fmtScheme>
   </a:themeElements>
-  <a:objectDefaults/>
-  <a:extraClrSchemeLst/>
+  <a:extLst>
+    <a:ext uri="{05A4C25C-085E-4340-85A3-A5531E510DB2}">
+      <thm15:themeFamily xmlns:thm15="http://schemas.microsoft.com/office/thememl/2012/main" name="Office Theme" id="{62F939B6-93AF-4DB8-9C6B-D6C7DFDC589F}" vid="{4A3C46E8-61CC-4603-A589-7422A47A8E4A}"/>
+    </a:ext>
+  </a:extLst>
 </a:theme>
 </file>